--- a/Structure Diagram.pptx
+++ b/Structure Diagram.pptx
@@ -3226,53 +3226,6 @@
           </p:txBody>
         </p:sp>
       </p:grpSp>
-      <p:sp>
-        <p:nvSpPr>
-          <p:cNvPr id="28" name="Rectangle 27"/>
-          <p:cNvSpPr/>
-          <p:nvPr/>
-        </p:nvSpPr>
-        <p:spPr>
-          <a:xfrm>
-            <a:off x="4552520" y="1230817"/>
-            <a:ext cx="2847472" cy="2154067"/>
-          </a:xfrm>
-          <a:prstGeom prst="rect">
-            <a:avLst/>
-          </a:prstGeom>
-          <a:solidFill>
-            <a:srgbClr val="FF0000"/>
-          </a:solidFill>
-          <a:ln cap="rnd"/>
-          <a:effectLst>
-            <a:softEdge rad="63500"/>
-          </a:effectLst>
-        </p:spPr>
-        <p:style>
-          <a:lnRef idx="2">
-            <a:schemeClr val="accent1">
-              <a:shade val="50000"/>
-            </a:schemeClr>
-          </a:lnRef>
-          <a:fillRef idx="1">
-            <a:schemeClr val="accent1"/>
-          </a:fillRef>
-          <a:effectRef idx="0">
-            <a:schemeClr val="accent1"/>
-          </a:effectRef>
-          <a:fontRef idx="minor">
-            <a:schemeClr val="lt1"/>
-          </a:fontRef>
-        </p:style>
-        <p:txBody>
-          <a:bodyPr rtlCol="0" anchor="ctr"/>
-          <a:lstStyle/>
-          <a:p>
-            <a:pPr algn="ctr"/>
-            <a:endParaRPr lang="en-GB"/>
-          </a:p>
-        </p:txBody>
-      </p:sp>
       <p:grpSp>
         <p:nvGrpSpPr>
           <p:cNvPr id="13" name="Group 12"/>
@@ -3427,7 +3380,7 @@
           </p:nvSpPr>
           <p:spPr>
             <a:xfrm>
-              <a:off x="3748110" y="1171439"/>
+              <a:off x="3731351" y="1596273"/>
               <a:ext cx="1876925" cy="369332"/>
             </a:xfrm>
             <a:prstGeom prst="rect">
@@ -3451,158 +3404,6 @@
           </p:txBody>
         </p:sp>
       </p:grpSp>
-      <p:cxnSp>
-        <p:nvCxnSpPr>
-          <p:cNvPr id="22" name="Straight Connector 21"/>
-          <p:cNvCxnSpPr>
-            <a:endCxn id="28" idx="1"/>
-          </p:cNvCxnSpPr>
-          <p:nvPr/>
-        </p:nvCxnSpPr>
-        <p:spPr>
-          <a:xfrm>
-            <a:off x="3608232" y="2304677"/>
-            <a:ext cx="944288" cy="3174"/>
-          </a:xfrm>
-          <a:prstGeom prst="line">
-            <a:avLst/>
-          </a:prstGeom>
-          <a:ln w="127000"/>
-        </p:spPr>
-        <p:style>
-          <a:lnRef idx="3">
-            <a:schemeClr val="dk1"/>
-          </a:lnRef>
-          <a:fillRef idx="0">
-            <a:schemeClr val="dk1"/>
-          </a:fillRef>
-          <a:effectRef idx="2">
-            <a:schemeClr val="dk1"/>
-          </a:effectRef>
-          <a:fontRef idx="minor">
-            <a:schemeClr val="tx1"/>
-          </a:fontRef>
-        </p:style>
-      </p:cxnSp>
-      <p:cxnSp>
-        <p:nvCxnSpPr>
-          <p:cNvPr id="23" name="Straight Connector 22"/>
-          <p:cNvCxnSpPr>
-            <a:stCxn id="28" idx="3"/>
-          </p:cNvCxnSpPr>
-          <p:nvPr/>
-        </p:nvCxnSpPr>
-        <p:spPr>
-          <a:xfrm flipV="1">
-            <a:off x="7399992" y="2304677"/>
-            <a:ext cx="896315" cy="3174"/>
-          </a:xfrm>
-          <a:prstGeom prst="line">
-            <a:avLst/>
-          </a:prstGeom>
-          <a:ln w="127000"/>
-        </p:spPr>
-        <p:style>
-          <a:lnRef idx="3">
-            <a:schemeClr val="dk1"/>
-          </a:lnRef>
-          <a:fillRef idx="0">
-            <a:schemeClr val="dk1"/>
-          </a:fillRef>
-          <a:effectRef idx="2">
-            <a:schemeClr val="dk1"/>
-          </a:effectRef>
-          <a:fontRef idx="minor">
-            <a:schemeClr val="tx1"/>
-          </a:fontRef>
-        </p:style>
-      </p:cxnSp>
-      <p:sp>
-        <p:nvSpPr>
-          <p:cNvPr id="50" name="Oval 49"/>
-          <p:cNvSpPr/>
-          <p:nvPr/>
-        </p:nvSpPr>
-        <p:spPr>
-          <a:xfrm>
-            <a:off x="8218331" y="2228070"/>
-            <a:ext cx="180726" cy="153564"/>
-          </a:xfrm>
-          <a:prstGeom prst="ellipse">
-            <a:avLst/>
-          </a:prstGeom>
-          <a:solidFill>
-            <a:schemeClr val="bg1"/>
-          </a:solidFill>
-        </p:spPr>
-        <p:style>
-          <a:lnRef idx="2">
-            <a:schemeClr val="accent1">
-              <a:shade val="50000"/>
-            </a:schemeClr>
-          </a:lnRef>
-          <a:fillRef idx="1">
-            <a:schemeClr val="accent1"/>
-          </a:fillRef>
-          <a:effectRef idx="0">
-            <a:schemeClr val="accent1"/>
-          </a:effectRef>
-          <a:fontRef idx="minor">
-            <a:schemeClr val="lt1"/>
-          </a:fontRef>
-        </p:style>
-        <p:txBody>
-          <a:bodyPr rtlCol="0" anchor="ctr"/>
-          <a:lstStyle/>
-          <a:p>
-            <a:pPr algn="ctr"/>
-            <a:endParaRPr lang="en-GB"/>
-          </a:p>
-        </p:txBody>
-      </p:sp>
-      <p:sp>
-        <p:nvSpPr>
-          <p:cNvPr id="51" name="Oval 50"/>
-          <p:cNvSpPr/>
-          <p:nvPr/>
-        </p:nvSpPr>
-        <p:spPr>
-          <a:xfrm>
-            <a:off x="3530256" y="2227895"/>
-            <a:ext cx="180726" cy="153564"/>
-          </a:xfrm>
-          <a:prstGeom prst="ellipse">
-            <a:avLst/>
-          </a:prstGeom>
-          <a:solidFill>
-            <a:schemeClr val="bg1"/>
-          </a:solidFill>
-        </p:spPr>
-        <p:style>
-          <a:lnRef idx="2">
-            <a:schemeClr val="accent1">
-              <a:shade val="50000"/>
-            </a:schemeClr>
-          </a:lnRef>
-          <a:fillRef idx="1">
-            <a:schemeClr val="accent1"/>
-          </a:fillRef>
-          <a:effectRef idx="0">
-            <a:schemeClr val="accent1"/>
-          </a:effectRef>
-          <a:fontRef idx="minor">
-            <a:schemeClr val="lt1"/>
-          </a:fontRef>
-        </p:style>
-        <p:txBody>
-          <a:bodyPr rtlCol="0" anchor="ctr"/>
-          <a:lstStyle/>
-          <a:p>
-            <a:pPr algn="ctr"/>
-            <a:endParaRPr lang="en-GB"/>
-          </a:p>
-        </p:txBody>
-      </p:sp>
       <p:grpSp>
         <p:nvGrpSpPr>
           <p:cNvPr id="54" name="Group 53"/>
@@ -3612,9 +3413,9 @@
         <p:grpSpPr>
           <a:xfrm>
             <a:off x="10440327" y="2227895"/>
-            <a:ext cx="1176076" cy="522896"/>
+            <a:ext cx="1176076" cy="153564"/>
             <a:chOff x="10440327" y="2227895"/>
-            <a:chExt cx="1176076" cy="522896"/>
+            <a:chExt cx="1176076" cy="153564"/>
           </a:xfrm>
         </p:grpSpPr>
         <p:sp>
@@ -3660,90 +3461,46 @@
             </a:p>
           </p:txBody>
         </p:sp>
-        <p:grpSp>
-          <p:nvGrpSpPr>
-            <p:cNvPr id="53" name="Group 52"/>
-            <p:cNvGrpSpPr/>
+        <p:cxnSp>
+          <p:nvCxnSpPr>
+            <p:cNvPr id="45" name="Straight Connector 44" title="Open"/>
+            <p:cNvCxnSpPr>
+              <a:stCxn id="40" idx="2"/>
+              <a:endCxn id="6" idx="3"/>
+            </p:cNvCxnSpPr>
             <p:nvPr/>
-          </p:nvGrpSpPr>
-          <p:grpSpPr>
-            <a:xfrm>
+          </p:nvCxnSpPr>
+          <p:spPr>
+            <a:xfrm flipH="1">
               <a:off x="10526160" y="2304677"/>
-              <a:ext cx="909517" cy="446114"/>
-              <a:chOff x="10526160" y="2304677"/>
-              <a:chExt cx="909517" cy="446114"/>
+              <a:ext cx="909517" cy="0"/>
             </a:xfrm>
-          </p:grpSpPr>
-          <p:cxnSp>
-            <p:nvCxnSpPr>
-              <p:cNvPr id="45" name="Straight Connector 44" title="Open"/>
-              <p:cNvCxnSpPr>
-                <a:stCxn id="40" idx="2"/>
-                <a:endCxn id="6" idx="3"/>
-              </p:cNvCxnSpPr>
-              <p:nvPr/>
-            </p:nvCxnSpPr>
-            <p:spPr>
-              <a:xfrm flipH="1">
-                <a:off x="10526160" y="2304677"/>
-                <a:ext cx="909517" cy="0"/>
-              </a:xfrm>
-              <a:prstGeom prst="line">
-                <a:avLst/>
-              </a:prstGeom>
-              <a:ln>
-                <a:solidFill>
-                  <a:schemeClr val="tx1">
-                    <a:alpha val="92000"/>
-                  </a:schemeClr>
-                </a:solidFill>
-              </a:ln>
-            </p:spPr>
-            <p:style>
-              <a:lnRef idx="1">
-                <a:schemeClr val="accent1"/>
-              </a:lnRef>
-              <a:fillRef idx="0">
-                <a:schemeClr val="accent1"/>
-              </a:fillRef>
-              <a:effectRef idx="0">
-                <a:schemeClr val="accent1"/>
-              </a:effectRef>
-              <a:fontRef idx="minor">
-                <a:schemeClr val="tx1"/>
-              </a:fontRef>
-            </p:style>
-          </p:cxnSp>
-          <p:sp>
-            <p:nvSpPr>
-              <p:cNvPr id="52" name="Rectangle 51"/>
-              <p:cNvSpPr/>
-              <p:nvPr/>
-            </p:nvSpPr>
-            <p:spPr>
-              <a:xfrm>
-                <a:off x="10717993" y="2381459"/>
-                <a:ext cx="525850" cy="369332"/>
-              </a:xfrm>
-              <a:prstGeom prst="rect">
-                <a:avLst/>
-              </a:prstGeom>
-            </p:spPr>
-            <p:txBody>
-              <a:bodyPr wrap="none">
-                <a:spAutoFit/>
-              </a:bodyPr>
-              <a:lstStyle/>
-              <a:p>
-                <a:r>
-                  <a:rPr lang="en-GB" dirty="0" smtClean="0"/>
-                  <a:t>exit</a:t>
-                </a:r>
-                <a:endParaRPr lang="en-GB" dirty="0"/>
-              </a:p>
-            </p:txBody>
-          </p:sp>
-        </p:grpSp>
+            <a:prstGeom prst="line">
+              <a:avLst/>
+            </a:prstGeom>
+            <a:ln>
+              <a:solidFill>
+                <a:schemeClr val="tx1">
+                  <a:alpha val="92000"/>
+                </a:schemeClr>
+              </a:solidFill>
+            </a:ln>
+          </p:spPr>
+          <p:style>
+            <a:lnRef idx="1">
+              <a:schemeClr val="accent1"/>
+            </a:lnRef>
+            <a:fillRef idx="0">
+              <a:schemeClr val="accent1"/>
+            </a:fillRef>
+            <a:effectRef idx="0">
+              <a:schemeClr val="accent1"/>
+            </a:effectRef>
+            <a:fontRef idx="minor">
+              <a:schemeClr val="tx1"/>
+            </a:fontRef>
+          </p:style>
+        </p:cxnSp>
         <p:sp>
           <p:nvSpPr>
             <p:cNvPr id="49" name="Oval 48"/>
@@ -3797,9 +3554,9 @@
         <p:grpSpPr>
           <a:xfrm>
             <a:off x="288140" y="2227895"/>
-            <a:ext cx="1176076" cy="522896"/>
+            <a:ext cx="1176076" cy="153564"/>
             <a:chOff x="10440327" y="2227895"/>
-            <a:chExt cx="1176076" cy="522896"/>
+            <a:chExt cx="1176076" cy="153564"/>
           </a:xfrm>
         </p:grpSpPr>
         <p:sp>
@@ -3845,89 +3602,45 @@
             </a:p>
           </p:txBody>
         </p:sp>
-        <p:grpSp>
-          <p:nvGrpSpPr>
-            <p:cNvPr id="57" name="Group 56"/>
-            <p:cNvGrpSpPr/>
+        <p:cxnSp>
+          <p:nvCxnSpPr>
+            <p:cNvPr id="59" name="Straight Connector 58" title="Open"/>
+            <p:cNvCxnSpPr>
+              <a:stCxn id="56" idx="2"/>
+            </p:cNvCxnSpPr>
             <p:nvPr/>
-          </p:nvGrpSpPr>
-          <p:grpSpPr>
-            <a:xfrm>
+          </p:nvCxnSpPr>
+          <p:spPr>
+            <a:xfrm flipH="1">
               <a:off x="10526160" y="2304677"/>
-              <a:ext cx="909517" cy="446114"/>
-              <a:chOff x="10526160" y="2304677"/>
-              <a:chExt cx="909517" cy="446114"/>
+              <a:ext cx="909517" cy="0"/>
             </a:xfrm>
-          </p:grpSpPr>
-          <p:cxnSp>
-            <p:nvCxnSpPr>
-              <p:cNvPr id="59" name="Straight Connector 58" title="Open"/>
-              <p:cNvCxnSpPr>
-                <a:stCxn id="56" idx="2"/>
-              </p:cNvCxnSpPr>
-              <p:nvPr/>
-            </p:nvCxnSpPr>
-            <p:spPr>
-              <a:xfrm flipH="1">
-                <a:off x="10526160" y="2304677"/>
-                <a:ext cx="909517" cy="0"/>
-              </a:xfrm>
-              <a:prstGeom prst="line">
-                <a:avLst/>
-              </a:prstGeom>
-              <a:ln>
-                <a:solidFill>
-                  <a:schemeClr val="tx1">
-                    <a:alpha val="92000"/>
-                  </a:schemeClr>
-                </a:solidFill>
-              </a:ln>
-            </p:spPr>
-            <p:style>
-              <a:lnRef idx="1">
-                <a:schemeClr val="accent1"/>
-              </a:lnRef>
-              <a:fillRef idx="0">
-                <a:schemeClr val="accent1"/>
-              </a:fillRef>
-              <a:effectRef idx="0">
-                <a:schemeClr val="accent1"/>
-              </a:effectRef>
-              <a:fontRef idx="minor">
-                <a:schemeClr val="tx1"/>
-              </a:fontRef>
-            </p:style>
-          </p:cxnSp>
-          <p:sp>
-            <p:nvSpPr>
-              <p:cNvPr id="60" name="Rectangle 59"/>
-              <p:cNvSpPr/>
-              <p:nvPr/>
-            </p:nvSpPr>
-            <p:spPr>
-              <a:xfrm>
-                <a:off x="10717993" y="2381459"/>
-                <a:ext cx="689804" cy="369332"/>
-              </a:xfrm>
-              <a:prstGeom prst="rect">
-                <a:avLst/>
-              </a:prstGeom>
-            </p:spPr>
-            <p:txBody>
-              <a:bodyPr wrap="none">
-                <a:spAutoFit/>
-              </a:bodyPr>
-              <a:lstStyle/>
-              <a:p>
-                <a:r>
-                  <a:rPr lang="en-GB" dirty="0" smtClean="0"/>
-                  <a:t>enter</a:t>
-                </a:r>
-                <a:endParaRPr lang="en-GB" dirty="0"/>
-              </a:p>
-            </p:txBody>
-          </p:sp>
-        </p:grpSp>
+            <a:prstGeom prst="line">
+              <a:avLst/>
+            </a:prstGeom>
+            <a:ln>
+              <a:solidFill>
+                <a:schemeClr val="tx1">
+                  <a:alpha val="92000"/>
+                </a:schemeClr>
+              </a:solidFill>
+            </a:ln>
+          </p:spPr>
+          <p:style>
+            <a:lnRef idx="1">
+              <a:schemeClr val="accent1"/>
+            </a:lnRef>
+            <a:fillRef idx="0">
+              <a:schemeClr val="accent1"/>
+            </a:fillRef>
+            <a:effectRef idx="0">
+              <a:schemeClr val="accent1"/>
+            </a:effectRef>
+            <a:fontRef idx="minor">
+              <a:schemeClr val="tx1"/>
+            </a:fontRef>
+          </p:style>
+        </p:cxnSp>
         <p:sp>
           <p:nvSpPr>
             <p:cNvPr id="58" name="Oval 57"/>
@@ -3980,10 +3693,10 @@
         </p:nvGrpSpPr>
         <p:grpSpPr>
           <a:xfrm>
-            <a:off x="5885893" y="5393551"/>
-            <a:ext cx="848736" cy="1092227"/>
+            <a:off x="6774748" y="5411954"/>
+            <a:ext cx="180726" cy="1092227"/>
             <a:chOff x="5885893" y="5393551"/>
-            <a:chExt cx="848736" cy="1092227"/>
+            <a:chExt cx="180726" cy="1092227"/>
           </a:xfrm>
         </p:grpSpPr>
         <p:sp>
@@ -4029,91 +3742,46 @@
             </a:p>
           </p:txBody>
         </p:sp>
-        <p:grpSp>
-          <p:nvGrpSpPr>
-            <p:cNvPr id="41" name="Group 40"/>
-            <p:cNvGrpSpPr/>
+        <p:cxnSp>
+          <p:nvCxnSpPr>
+            <p:cNvPr id="36" name="Straight Connector 35" title="Open"/>
+            <p:cNvCxnSpPr>
+              <a:stCxn id="34" idx="0"/>
+              <a:endCxn id="17" idx="2"/>
+            </p:cNvCxnSpPr>
             <p:nvPr/>
-          </p:nvGrpSpPr>
-          <p:grpSpPr>
-            <a:xfrm>
+          </p:nvCxnSpPr>
+          <p:spPr>
+            <a:xfrm flipV="1">
               <a:off x="5976256" y="5477617"/>
-              <a:ext cx="758373" cy="854597"/>
-              <a:chOff x="5976256" y="5477617"/>
-              <a:chExt cx="758373" cy="854597"/>
+              <a:ext cx="0" cy="854597"/>
             </a:xfrm>
-          </p:grpSpPr>
-          <p:cxnSp>
-            <p:nvCxnSpPr>
-              <p:cNvPr id="36" name="Straight Connector 35" title="Open"/>
-              <p:cNvCxnSpPr>
-                <a:stCxn id="34" idx="0"/>
-                <a:endCxn id="17" idx="2"/>
-              </p:cNvCxnSpPr>
-              <p:nvPr/>
-            </p:nvCxnSpPr>
-            <p:spPr>
-              <a:xfrm flipV="1">
-                <a:off x="5976256" y="5477617"/>
-                <a:ext cx="0" cy="854597"/>
-              </a:xfrm>
-              <a:prstGeom prst="line">
-                <a:avLst/>
-              </a:prstGeom>
-              <a:ln>
-                <a:solidFill>
-                  <a:schemeClr val="tx1">
-                    <a:alpha val="92000"/>
-                  </a:schemeClr>
-                </a:solidFill>
-              </a:ln>
-            </p:spPr>
-            <p:style>
-              <a:lnRef idx="1">
-                <a:schemeClr val="accent1"/>
-              </a:lnRef>
-              <a:fillRef idx="0">
-                <a:schemeClr val="accent1"/>
-              </a:fillRef>
-              <a:effectRef idx="0">
-                <a:schemeClr val="accent1"/>
-              </a:effectRef>
-              <a:fontRef idx="minor">
-                <a:schemeClr val="tx1"/>
-              </a:fontRef>
-            </p:style>
-          </p:cxnSp>
-          <p:sp>
-            <p:nvSpPr>
-              <p:cNvPr id="37" name="TextBox 36"/>
-              <p:cNvSpPr txBox="1"/>
-              <p:nvPr/>
-            </p:nvSpPr>
-            <p:spPr>
-              <a:xfrm>
-                <a:off x="6066619" y="5675086"/>
-                <a:ext cx="668010" cy="369332"/>
-              </a:xfrm>
-              <a:prstGeom prst="rect">
-                <a:avLst/>
-              </a:prstGeom>
-              <a:noFill/>
-            </p:spPr>
-            <p:txBody>
-              <a:bodyPr wrap="square" rtlCol="0">
-                <a:spAutoFit/>
-              </a:bodyPr>
-              <a:lstStyle/>
-              <a:p>
-                <a:r>
-                  <a:rPr lang="en-GB" dirty="0" smtClean="0"/>
-                  <a:t>open</a:t>
-                </a:r>
-                <a:endParaRPr lang="en-GB" dirty="0"/>
-              </a:p>
-            </p:txBody>
-          </p:sp>
-        </p:grpSp>
+            <a:prstGeom prst="line">
+              <a:avLst/>
+            </a:prstGeom>
+            <a:ln>
+              <a:solidFill>
+                <a:schemeClr val="tx1">
+                  <a:alpha val="92000"/>
+                </a:schemeClr>
+              </a:solidFill>
+            </a:ln>
+          </p:spPr>
+          <p:style>
+            <a:lnRef idx="1">
+              <a:schemeClr val="accent1"/>
+            </a:lnRef>
+            <a:fillRef idx="0">
+              <a:schemeClr val="accent1"/>
+            </a:fillRef>
+            <a:effectRef idx="0">
+              <a:schemeClr val="accent1"/>
+            </a:effectRef>
+            <a:fontRef idx="minor">
+              <a:schemeClr val="tx1"/>
+            </a:fontRef>
+          </p:style>
+        </p:cxnSp>
         <p:sp>
           <p:nvSpPr>
             <p:cNvPr id="61" name="Oval 60"/>
@@ -4166,10 +3834,10 @@
         </p:nvGrpSpPr>
         <p:grpSpPr>
           <a:xfrm>
-            <a:off x="5853042" y="2946364"/>
-            <a:ext cx="818657" cy="1092227"/>
+            <a:off x="6774748" y="2968044"/>
+            <a:ext cx="180726" cy="1092227"/>
             <a:chOff x="5885893" y="5393551"/>
-            <a:chExt cx="818657" cy="1092227"/>
+            <a:chExt cx="180726" cy="1092227"/>
           </a:xfrm>
         </p:grpSpPr>
         <p:sp>
@@ -4215,90 +3883,45 @@
             </a:p>
           </p:txBody>
         </p:sp>
-        <p:grpSp>
-          <p:nvGrpSpPr>
-            <p:cNvPr id="65" name="Group 64"/>
-            <p:cNvGrpSpPr/>
+        <p:cxnSp>
+          <p:nvCxnSpPr>
+            <p:cNvPr id="67" name="Straight Connector 66" title="Open"/>
+            <p:cNvCxnSpPr>
+              <a:stCxn id="64" idx="0"/>
+            </p:cNvCxnSpPr>
             <p:nvPr/>
-          </p:nvGrpSpPr>
-          <p:grpSpPr>
-            <a:xfrm>
+          </p:nvCxnSpPr>
+          <p:spPr>
+            <a:xfrm flipV="1">
               <a:off x="5976256" y="5477617"/>
-              <a:ext cx="728294" cy="854597"/>
-              <a:chOff x="5976256" y="5477617"/>
-              <a:chExt cx="728294" cy="854597"/>
+              <a:ext cx="0" cy="854597"/>
             </a:xfrm>
-          </p:grpSpPr>
-          <p:cxnSp>
-            <p:nvCxnSpPr>
-              <p:cNvPr id="67" name="Straight Connector 66" title="Open"/>
-              <p:cNvCxnSpPr>
-                <a:stCxn id="64" idx="0"/>
-              </p:cNvCxnSpPr>
-              <p:nvPr/>
-            </p:nvCxnSpPr>
-            <p:spPr>
-              <a:xfrm flipV="1">
-                <a:off x="5976256" y="5477617"/>
-                <a:ext cx="0" cy="854597"/>
-              </a:xfrm>
-              <a:prstGeom prst="line">
-                <a:avLst/>
-              </a:prstGeom>
-              <a:ln>
-                <a:solidFill>
-                  <a:schemeClr val="tx1">
-                    <a:alpha val="92000"/>
-                  </a:schemeClr>
-                </a:solidFill>
-              </a:ln>
-            </p:spPr>
-            <p:style>
-              <a:lnRef idx="1">
-                <a:schemeClr val="accent1"/>
-              </a:lnRef>
-              <a:fillRef idx="0">
-                <a:schemeClr val="accent1"/>
-              </a:fillRef>
-              <a:effectRef idx="0">
-                <a:schemeClr val="accent1"/>
-              </a:effectRef>
-              <a:fontRef idx="minor">
-                <a:schemeClr val="tx1"/>
-              </a:fontRef>
-            </p:style>
-          </p:cxnSp>
-          <p:sp>
-            <p:nvSpPr>
-              <p:cNvPr id="68" name="TextBox 67"/>
-              <p:cNvSpPr txBox="1"/>
-              <p:nvPr/>
-            </p:nvSpPr>
-            <p:spPr>
-              <a:xfrm>
-                <a:off x="6036540" y="5916106"/>
-                <a:ext cx="668010" cy="369332"/>
-              </a:xfrm>
-              <a:prstGeom prst="rect">
-                <a:avLst/>
-              </a:prstGeom>
-              <a:noFill/>
-            </p:spPr>
-            <p:txBody>
-              <a:bodyPr wrap="square" rtlCol="0">
-                <a:spAutoFit/>
-              </a:bodyPr>
-              <a:lstStyle/>
-              <a:p>
-                <a:r>
-                  <a:rPr lang="en-GB" dirty="0" smtClean="0"/>
-                  <a:t>open</a:t>
-                </a:r>
-                <a:endParaRPr lang="en-GB" dirty="0"/>
-              </a:p>
-            </p:txBody>
-          </p:sp>
-        </p:grpSp>
+            <a:prstGeom prst="line">
+              <a:avLst/>
+            </a:prstGeom>
+            <a:ln>
+              <a:solidFill>
+                <a:schemeClr val="tx1">
+                  <a:alpha val="92000"/>
+                </a:schemeClr>
+              </a:solidFill>
+            </a:ln>
+          </p:spPr>
+          <p:style>
+            <a:lnRef idx="1">
+              <a:schemeClr val="accent1"/>
+            </a:lnRef>
+            <a:fillRef idx="0">
+              <a:schemeClr val="accent1"/>
+            </a:fillRef>
+            <a:effectRef idx="0">
+              <a:schemeClr val="accent1"/>
+            </a:effectRef>
+            <a:fontRef idx="minor">
+              <a:schemeClr val="tx1"/>
+            </a:fontRef>
+          </p:style>
+        </p:cxnSp>
         <p:sp>
           <p:nvSpPr>
             <p:cNvPr id="66" name="Oval 65"/>
@@ -4343,6 +3966,1112 @@
           </p:txBody>
         </p:sp>
       </p:grpSp>
+      <p:grpSp>
+        <p:nvGrpSpPr>
+          <p:cNvPr id="69" name="Group 68"/>
+          <p:cNvGrpSpPr/>
+          <p:nvPr/>
+        </p:nvGrpSpPr>
+        <p:grpSpPr>
+          <a:xfrm>
+            <a:off x="6958842" y="2227895"/>
+            <a:ext cx="1449943" cy="153564"/>
+            <a:chOff x="10375878" y="2151113"/>
+            <a:chExt cx="1449943" cy="153564"/>
+          </a:xfrm>
+        </p:grpSpPr>
+        <p:sp>
+          <p:nvSpPr>
+            <p:cNvPr id="70" name="Oval 69"/>
+            <p:cNvSpPr/>
+            <p:nvPr/>
+          </p:nvSpPr>
+          <p:spPr>
+            <a:xfrm>
+              <a:off x="11645095" y="2151113"/>
+              <a:ext cx="180726" cy="153564"/>
+            </a:xfrm>
+            <a:prstGeom prst="ellipse">
+              <a:avLst/>
+            </a:prstGeom>
+            <a:solidFill>
+              <a:schemeClr val="bg1"/>
+            </a:solidFill>
+          </p:spPr>
+          <p:style>
+            <a:lnRef idx="2">
+              <a:schemeClr val="accent1">
+                <a:shade val="50000"/>
+              </a:schemeClr>
+            </a:lnRef>
+            <a:fillRef idx="1">
+              <a:schemeClr val="accent1"/>
+            </a:fillRef>
+            <a:effectRef idx="0">
+              <a:schemeClr val="accent1"/>
+            </a:effectRef>
+            <a:fontRef idx="minor">
+              <a:schemeClr val="lt1"/>
+            </a:fontRef>
+          </p:style>
+          <p:txBody>
+            <a:bodyPr rtlCol="0" anchor="ctr"/>
+            <a:lstStyle/>
+            <a:p>
+              <a:pPr algn="ctr"/>
+              <a:endParaRPr lang="en-GB"/>
+            </a:p>
+          </p:txBody>
+        </p:sp>
+        <p:cxnSp>
+          <p:nvCxnSpPr>
+            <p:cNvPr id="73" name="Straight Connector 72" title="Open"/>
+            <p:cNvCxnSpPr>
+              <a:stCxn id="70" idx="2"/>
+            </p:cNvCxnSpPr>
+            <p:nvPr/>
+          </p:nvCxnSpPr>
+          <p:spPr>
+            <a:xfrm flipH="1">
+              <a:off x="10556604" y="2227895"/>
+              <a:ext cx="1088491" cy="0"/>
+            </a:xfrm>
+            <a:prstGeom prst="line">
+              <a:avLst/>
+            </a:prstGeom>
+            <a:ln>
+              <a:solidFill>
+                <a:schemeClr val="tx1">
+                  <a:alpha val="92000"/>
+                </a:schemeClr>
+              </a:solidFill>
+            </a:ln>
+          </p:spPr>
+          <p:style>
+            <a:lnRef idx="1">
+              <a:schemeClr val="accent1"/>
+            </a:lnRef>
+            <a:fillRef idx="0">
+              <a:schemeClr val="accent1"/>
+            </a:fillRef>
+            <a:effectRef idx="0">
+              <a:schemeClr val="accent1"/>
+            </a:effectRef>
+            <a:fontRef idx="minor">
+              <a:schemeClr val="tx1"/>
+            </a:fontRef>
+          </p:style>
+        </p:cxnSp>
+        <p:sp>
+          <p:nvSpPr>
+            <p:cNvPr id="72" name="Oval 71"/>
+            <p:cNvSpPr/>
+            <p:nvPr/>
+          </p:nvSpPr>
+          <p:spPr>
+            <a:xfrm>
+              <a:off x="10375878" y="2151113"/>
+              <a:ext cx="180726" cy="153564"/>
+            </a:xfrm>
+            <a:prstGeom prst="ellipse">
+              <a:avLst/>
+            </a:prstGeom>
+            <a:solidFill>
+              <a:schemeClr val="bg1"/>
+            </a:solidFill>
+          </p:spPr>
+          <p:style>
+            <a:lnRef idx="2">
+              <a:schemeClr val="accent1">
+                <a:shade val="50000"/>
+              </a:schemeClr>
+            </a:lnRef>
+            <a:fillRef idx="1">
+              <a:schemeClr val="accent1"/>
+            </a:fillRef>
+            <a:effectRef idx="0">
+              <a:schemeClr val="accent1"/>
+            </a:effectRef>
+            <a:fontRef idx="minor">
+              <a:schemeClr val="lt1"/>
+            </a:fontRef>
+          </p:style>
+          <p:txBody>
+            <a:bodyPr rtlCol="0" anchor="ctr"/>
+            <a:lstStyle/>
+            <a:p>
+              <a:pPr algn="ctr"/>
+              <a:endParaRPr lang="en-GB"/>
+            </a:p>
+          </p:txBody>
+        </p:sp>
+      </p:grpSp>
+      <p:grpSp>
+        <p:nvGrpSpPr>
+          <p:cNvPr id="76" name="Group 75"/>
+          <p:cNvGrpSpPr/>
+          <p:nvPr/>
+        </p:nvGrpSpPr>
+        <p:grpSpPr>
+          <a:xfrm>
+            <a:off x="3497801" y="2231300"/>
+            <a:ext cx="1449943" cy="153564"/>
+            <a:chOff x="10375878" y="2151113"/>
+            <a:chExt cx="1449943" cy="153564"/>
+          </a:xfrm>
+        </p:grpSpPr>
+        <p:sp>
+          <p:nvSpPr>
+            <p:cNvPr id="77" name="Oval 76"/>
+            <p:cNvSpPr/>
+            <p:nvPr/>
+          </p:nvSpPr>
+          <p:spPr>
+            <a:xfrm>
+              <a:off x="11645095" y="2151113"/>
+              <a:ext cx="180726" cy="153564"/>
+            </a:xfrm>
+            <a:prstGeom prst="ellipse">
+              <a:avLst/>
+            </a:prstGeom>
+            <a:solidFill>
+              <a:schemeClr val="bg1"/>
+            </a:solidFill>
+          </p:spPr>
+          <p:style>
+            <a:lnRef idx="2">
+              <a:schemeClr val="accent1">
+                <a:shade val="50000"/>
+              </a:schemeClr>
+            </a:lnRef>
+            <a:fillRef idx="1">
+              <a:schemeClr val="accent1"/>
+            </a:fillRef>
+            <a:effectRef idx="0">
+              <a:schemeClr val="accent1"/>
+            </a:effectRef>
+            <a:fontRef idx="minor">
+              <a:schemeClr val="lt1"/>
+            </a:fontRef>
+          </p:style>
+          <p:txBody>
+            <a:bodyPr rtlCol="0" anchor="ctr"/>
+            <a:lstStyle/>
+            <a:p>
+              <a:pPr algn="ctr"/>
+              <a:endParaRPr lang="en-GB"/>
+            </a:p>
+          </p:txBody>
+        </p:sp>
+        <p:cxnSp>
+          <p:nvCxnSpPr>
+            <p:cNvPr id="80" name="Straight Connector 79" title="Open"/>
+            <p:cNvCxnSpPr>
+              <a:stCxn id="77" idx="2"/>
+            </p:cNvCxnSpPr>
+            <p:nvPr/>
+          </p:nvCxnSpPr>
+          <p:spPr>
+            <a:xfrm flipH="1">
+              <a:off x="10556604" y="2227895"/>
+              <a:ext cx="1088491" cy="0"/>
+            </a:xfrm>
+            <a:prstGeom prst="line">
+              <a:avLst/>
+            </a:prstGeom>
+            <a:ln>
+              <a:solidFill>
+                <a:schemeClr val="tx1">
+                  <a:alpha val="92000"/>
+                </a:schemeClr>
+              </a:solidFill>
+            </a:ln>
+          </p:spPr>
+          <p:style>
+            <a:lnRef idx="1">
+              <a:schemeClr val="accent1"/>
+            </a:lnRef>
+            <a:fillRef idx="0">
+              <a:schemeClr val="accent1"/>
+            </a:fillRef>
+            <a:effectRef idx="0">
+              <a:schemeClr val="accent1"/>
+            </a:effectRef>
+            <a:fontRef idx="minor">
+              <a:schemeClr val="tx1"/>
+            </a:fontRef>
+          </p:style>
+        </p:cxnSp>
+        <p:sp>
+          <p:nvSpPr>
+            <p:cNvPr id="79" name="Oval 78"/>
+            <p:cNvSpPr/>
+            <p:nvPr/>
+          </p:nvSpPr>
+          <p:spPr>
+            <a:xfrm>
+              <a:off x="10375878" y="2151113"/>
+              <a:ext cx="180726" cy="153564"/>
+            </a:xfrm>
+            <a:prstGeom prst="ellipse">
+              <a:avLst/>
+            </a:prstGeom>
+            <a:solidFill>
+              <a:schemeClr val="bg1"/>
+            </a:solidFill>
+          </p:spPr>
+          <p:style>
+            <a:lnRef idx="2">
+              <a:schemeClr val="accent1">
+                <a:shade val="50000"/>
+              </a:schemeClr>
+            </a:lnRef>
+            <a:fillRef idx="1">
+              <a:schemeClr val="accent1"/>
+            </a:fillRef>
+            <a:effectRef idx="0">
+              <a:schemeClr val="accent1"/>
+            </a:effectRef>
+            <a:fontRef idx="minor">
+              <a:schemeClr val="lt1"/>
+            </a:fontRef>
+          </p:style>
+          <p:txBody>
+            <a:bodyPr rtlCol="0" anchor="ctr"/>
+            <a:lstStyle/>
+            <a:p>
+              <a:pPr algn="ctr"/>
+              <a:endParaRPr lang="en-GB"/>
+            </a:p>
+          </p:txBody>
+        </p:sp>
+      </p:grpSp>
+      <p:grpSp>
+        <p:nvGrpSpPr>
+          <p:cNvPr id="82" name="Group 81"/>
+          <p:cNvGrpSpPr/>
+          <p:nvPr/>
+        </p:nvGrpSpPr>
+        <p:grpSpPr>
+          <a:xfrm>
+            <a:off x="5122424" y="5373403"/>
+            <a:ext cx="180726" cy="1092227"/>
+            <a:chOff x="5885893" y="5393551"/>
+            <a:chExt cx="180726" cy="1092227"/>
+          </a:xfrm>
+        </p:grpSpPr>
+        <p:sp>
+          <p:nvSpPr>
+            <p:cNvPr id="83" name="Oval 82"/>
+            <p:cNvSpPr/>
+            <p:nvPr/>
+          </p:nvSpPr>
+          <p:spPr>
+            <a:xfrm>
+              <a:off x="5885893" y="6332214"/>
+              <a:ext cx="180726" cy="153564"/>
+            </a:xfrm>
+            <a:prstGeom prst="ellipse">
+              <a:avLst/>
+            </a:prstGeom>
+            <a:solidFill>
+              <a:schemeClr val="bg1"/>
+            </a:solidFill>
+          </p:spPr>
+          <p:style>
+            <a:lnRef idx="2">
+              <a:schemeClr val="accent1">
+                <a:shade val="50000"/>
+              </a:schemeClr>
+            </a:lnRef>
+            <a:fillRef idx="1">
+              <a:schemeClr val="accent1"/>
+            </a:fillRef>
+            <a:effectRef idx="0">
+              <a:schemeClr val="accent1"/>
+            </a:effectRef>
+            <a:fontRef idx="minor">
+              <a:schemeClr val="lt1"/>
+            </a:fontRef>
+          </p:style>
+          <p:txBody>
+            <a:bodyPr rtlCol="0" anchor="ctr"/>
+            <a:lstStyle/>
+            <a:p>
+              <a:pPr algn="ctr"/>
+              <a:endParaRPr lang="en-GB"/>
+            </a:p>
+          </p:txBody>
+        </p:sp>
+        <p:cxnSp>
+          <p:nvCxnSpPr>
+            <p:cNvPr id="86" name="Straight Connector 85" title="Open"/>
+            <p:cNvCxnSpPr>
+              <a:stCxn id="83" idx="0"/>
+            </p:cNvCxnSpPr>
+            <p:nvPr/>
+          </p:nvCxnSpPr>
+          <p:spPr>
+            <a:xfrm flipV="1">
+              <a:off x="5976256" y="5477617"/>
+              <a:ext cx="0" cy="854597"/>
+            </a:xfrm>
+            <a:prstGeom prst="line">
+              <a:avLst/>
+            </a:prstGeom>
+            <a:ln>
+              <a:solidFill>
+                <a:schemeClr val="tx1">
+                  <a:alpha val="92000"/>
+                </a:schemeClr>
+              </a:solidFill>
+            </a:ln>
+          </p:spPr>
+          <p:style>
+            <a:lnRef idx="1">
+              <a:schemeClr val="accent1"/>
+            </a:lnRef>
+            <a:fillRef idx="0">
+              <a:schemeClr val="accent1"/>
+            </a:fillRef>
+            <a:effectRef idx="0">
+              <a:schemeClr val="accent1"/>
+            </a:effectRef>
+            <a:fontRef idx="minor">
+              <a:schemeClr val="tx1"/>
+            </a:fontRef>
+          </p:style>
+        </p:cxnSp>
+        <p:sp>
+          <p:nvSpPr>
+            <p:cNvPr id="85" name="Oval 84"/>
+            <p:cNvSpPr/>
+            <p:nvPr/>
+          </p:nvSpPr>
+          <p:spPr>
+            <a:xfrm>
+              <a:off x="5885893" y="5393551"/>
+              <a:ext cx="180726" cy="153564"/>
+            </a:xfrm>
+            <a:prstGeom prst="ellipse">
+              <a:avLst/>
+            </a:prstGeom>
+            <a:solidFill>
+              <a:schemeClr val="bg1"/>
+            </a:solidFill>
+          </p:spPr>
+          <p:style>
+            <a:lnRef idx="2">
+              <a:schemeClr val="accent1">
+                <a:shade val="50000"/>
+              </a:schemeClr>
+            </a:lnRef>
+            <a:fillRef idx="1">
+              <a:schemeClr val="accent1"/>
+            </a:fillRef>
+            <a:effectRef idx="0">
+              <a:schemeClr val="accent1"/>
+            </a:effectRef>
+            <a:fontRef idx="minor">
+              <a:schemeClr val="lt1"/>
+            </a:fontRef>
+          </p:style>
+          <p:txBody>
+            <a:bodyPr rtlCol="0" anchor="ctr"/>
+            <a:lstStyle/>
+            <a:p>
+              <a:pPr algn="ctr"/>
+              <a:endParaRPr lang="en-GB"/>
+            </a:p>
+          </p:txBody>
+        </p:sp>
+      </p:grpSp>
+      <p:grpSp>
+        <p:nvGrpSpPr>
+          <p:cNvPr id="88" name="Group 87"/>
+          <p:cNvGrpSpPr/>
+          <p:nvPr/>
+        </p:nvGrpSpPr>
+        <p:grpSpPr>
+          <a:xfrm>
+            <a:off x="5067665" y="2979174"/>
+            <a:ext cx="180726" cy="1092227"/>
+            <a:chOff x="5885893" y="5393551"/>
+            <a:chExt cx="180726" cy="1092227"/>
+          </a:xfrm>
+        </p:grpSpPr>
+        <p:sp>
+          <p:nvSpPr>
+            <p:cNvPr id="89" name="Oval 88"/>
+            <p:cNvSpPr/>
+            <p:nvPr/>
+          </p:nvSpPr>
+          <p:spPr>
+            <a:xfrm>
+              <a:off x="5885893" y="6332214"/>
+              <a:ext cx="180726" cy="153564"/>
+            </a:xfrm>
+            <a:prstGeom prst="ellipse">
+              <a:avLst/>
+            </a:prstGeom>
+            <a:solidFill>
+              <a:schemeClr val="bg1"/>
+            </a:solidFill>
+          </p:spPr>
+          <p:style>
+            <a:lnRef idx="2">
+              <a:schemeClr val="accent1">
+                <a:shade val="50000"/>
+              </a:schemeClr>
+            </a:lnRef>
+            <a:fillRef idx="1">
+              <a:schemeClr val="accent1"/>
+            </a:fillRef>
+            <a:effectRef idx="0">
+              <a:schemeClr val="accent1"/>
+            </a:effectRef>
+            <a:fontRef idx="minor">
+              <a:schemeClr val="lt1"/>
+            </a:fontRef>
+          </p:style>
+          <p:txBody>
+            <a:bodyPr rtlCol="0" anchor="ctr"/>
+            <a:lstStyle/>
+            <a:p>
+              <a:pPr algn="ctr"/>
+              <a:endParaRPr lang="en-GB"/>
+            </a:p>
+          </p:txBody>
+        </p:sp>
+        <p:cxnSp>
+          <p:nvCxnSpPr>
+            <p:cNvPr id="92" name="Straight Connector 91" title="Open"/>
+            <p:cNvCxnSpPr>
+              <a:stCxn id="89" idx="0"/>
+            </p:cNvCxnSpPr>
+            <p:nvPr/>
+          </p:nvCxnSpPr>
+          <p:spPr>
+            <a:xfrm flipV="1">
+              <a:off x="5976256" y="5477617"/>
+              <a:ext cx="0" cy="854597"/>
+            </a:xfrm>
+            <a:prstGeom prst="line">
+              <a:avLst/>
+            </a:prstGeom>
+            <a:ln>
+              <a:solidFill>
+                <a:schemeClr val="tx1">
+                  <a:alpha val="92000"/>
+                </a:schemeClr>
+              </a:solidFill>
+            </a:ln>
+          </p:spPr>
+          <p:style>
+            <a:lnRef idx="1">
+              <a:schemeClr val="accent1"/>
+            </a:lnRef>
+            <a:fillRef idx="0">
+              <a:schemeClr val="accent1"/>
+            </a:fillRef>
+            <a:effectRef idx="0">
+              <a:schemeClr val="accent1"/>
+            </a:effectRef>
+            <a:fontRef idx="minor">
+              <a:schemeClr val="tx1"/>
+            </a:fontRef>
+          </p:style>
+        </p:cxnSp>
+        <p:sp>
+          <p:nvSpPr>
+            <p:cNvPr id="91" name="Oval 90"/>
+            <p:cNvSpPr/>
+            <p:nvPr/>
+          </p:nvSpPr>
+          <p:spPr>
+            <a:xfrm>
+              <a:off x="5885893" y="5393551"/>
+              <a:ext cx="180726" cy="153564"/>
+            </a:xfrm>
+            <a:prstGeom prst="ellipse">
+              <a:avLst/>
+            </a:prstGeom>
+            <a:solidFill>
+              <a:schemeClr val="bg1"/>
+            </a:solidFill>
+          </p:spPr>
+          <p:style>
+            <a:lnRef idx="2">
+              <a:schemeClr val="accent1">
+                <a:shade val="50000"/>
+              </a:schemeClr>
+            </a:lnRef>
+            <a:fillRef idx="1">
+              <a:schemeClr val="accent1"/>
+            </a:fillRef>
+            <a:effectRef idx="0">
+              <a:schemeClr val="accent1"/>
+            </a:effectRef>
+            <a:fontRef idx="minor">
+              <a:schemeClr val="lt1"/>
+            </a:fontRef>
+          </p:style>
+          <p:txBody>
+            <a:bodyPr rtlCol="0" anchor="ctr"/>
+            <a:lstStyle/>
+            <a:p>
+              <a:pPr algn="ctr"/>
+              <a:endParaRPr lang="en-GB"/>
+            </a:p>
+          </p:txBody>
+        </p:sp>
+      </p:grpSp>
+      <p:grpSp>
+        <p:nvGrpSpPr>
+          <p:cNvPr id="94" name="Group 93"/>
+          <p:cNvGrpSpPr/>
+          <p:nvPr/>
+        </p:nvGrpSpPr>
+        <p:grpSpPr>
+          <a:xfrm>
+            <a:off x="5981068" y="2967041"/>
+            <a:ext cx="180726" cy="1092227"/>
+            <a:chOff x="5885893" y="5393551"/>
+            <a:chExt cx="180726" cy="1092227"/>
+          </a:xfrm>
+        </p:grpSpPr>
+        <p:sp>
+          <p:nvSpPr>
+            <p:cNvPr id="95" name="Oval 94"/>
+            <p:cNvSpPr/>
+            <p:nvPr/>
+          </p:nvSpPr>
+          <p:spPr>
+            <a:xfrm>
+              <a:off x="5885893" y="6332214"/>
+              <a:ext cx="180726" cy="153564"/>
+            </a:xfrm>
+            <a:prstGeom prst="ellipse">
+              <a:avLst/>
+            </a:prstGeom>
+            <a:solidFill>
+              <a:schemeClr val="bg1"/>
+            </a:solidFill>
+          </p:spPr>
+          <p:style>
+            <a:lnRef idx="2">
+              <a:schemeClr val="accent1">
+                <a:shade val="50000"/>
+              </a:schemeClr>
+            </a:lnRef>
+            <a:fillRef idx="1">
+              <a:schemeClr val="accent1"/>
+            </a:fillRef>
+            <a:effectRef idx="0">
+              <a:schemeClr val="accent1"/>
+            </a:effectRef>
+            <a:fontRef idx="minor">
+              <a:schemeClr val="lt1"/>
+            </a:fontRef>
+          </p:style>
+          <p:txBody>
+            <a:bodyPr rtlCol="0" anchor="ctr"/>
+            <a:lstStyle/>
+            <a:p>
+              <a:pPr algn="ctr"/>
+              <a:endParaRPr lang="en-GB"/>
+            </a:p>
+          </p:txBody>
+        </p:sp>
+        <p:cxnSp>
+          <p:nvCxnSpPr>
+            <p:cNvPr id="98" name="Straight Connector 97" title="Open"/>
+            <p:cNvCxnSpPr>
+              <a:stCxn id="95" idx="0"/>
+            </p:cNvCxnSpPr>
+            <p:nvPr/>
+          </p:nvCxnSpPr>
+          <p:spPr>
+            <a:xfrm flipV="1">
+              <a:off x="5976256" y="5477617"/>
+              <a:ext cx="0" cy="854597"/>
+            </a:xfrm>
+            <a:prstGeom prst="line">
+              <a:avLst/>
+            </a:prstGeom>
+            <a:ln>
+              <a:solidFill>
+                <a:schemeClr val="tx1">
+                  <a:alpha val="92000"/>
+                </a:schemeClr>
+              </a:solidFill>
+            </a:ln>
+          </p:spPr>
+          <p:style>
+            <a:lnRef idx="1">
+              <a:schemeClr val="accent1"/>
+            </a:lnRef>
+            <a:fillRef idx="0">
+              <a:schemeClr val="accent1"/>
+            </a:fillRef>
+            <a:effectRef idx="0">
+              <a:schemeClr val="accent1"/>
+            </a:effectRef>
+            <a:fontRef idx="minor">
+              <a:schemeClr val="tx1"/>
+            </a:fontRef>
+          </p:style>
+        </p:cxnSp>
+        <p:sp>
+          <p:nvSpPr>
+            <p:cNvPr id="97" name="Oval 96"/>
+            <p:cNvSpPr/>
+            <p:nvPr/>
+          </p:nvSpPr>
+          <p:spPr>
+            <a:xfrm>
+              <a:off x="5885893" y="5393551"/>
+              <a:ext cx="180726" cy="153564"/>
+            </a:xfrm>
+            <a:prstGeom prst="ellipse">
+              <a:avLst/>
+            </a:prstGeom>
+            <a:solidFill>
+              <a:schemeClr val="bg1"/>
+            </a:solidFill>
+          </p:spPr>
+          <p:style>
+            <a:lnRef idx="2">
+              <a:schemeClr val="accent1">
+                <a:shade val="50000"/>
+              </a:schemeClr>
+            </a:lnRef>
+            <a:fillRef idx="1">
+              <a:schemeClr val="accent1"/>
+            </a:fillRef>
+            <a:effectRef idx="0">
+              <a:schemeClr val="accent1"/>
+            </a:effectRef>
+            <a:fontRef idx="minor">
+              <a:schemeClr val="lt1"/>
+            </a:fontRef>
+          </p:style>
+          <p:txBody>
+            <a:bodyPr rtlCol="0" anchor="ctr"/>
+            <a:lstStyle/>
+            <a:p>
+              <a:pPr algn="ctr"/>
+              <a:endParaRPr lang="en-GB"/>
+            </a:p>
+          </p:txBody>
+        </p:sp>
+      </p:grpSp>
+      <p:sp>
+        <p:nvSpPr>
+          <p:cNvPr id="100" name="Rectangle 99"/>
+          <p:cNvSpPr/>
+          <p:nvPr/>
+        </p:nvSpPr>
+        <p:spPr>
+          <a:xfrm>
+            <a:off x="1457546" y="2120011"/>
+            <a:ext cx="689804" cy="369332"/>
+          </a:xfrm>
+          <a:prstGeom prst="rect">
+            <a:avLst/>
+          </a:prstGeom>
+        </p:spPr>
+        <p:txBody>
+          <a:bodyPr wrap="none">
+            <a:spAutoFit/>
+          </a:bodyPr>
+          <a:lstStyle/>
+          <a:p>
+            <a:r>
+              <a:rPr lang="en-GB" smtClean="0"/>
+              <a:t>enter</a:t>
+            </a:r>
+            <a:endParaRPr lang="en-GB" dirty="0"/>
+          </a:p>
+        </p:txBody>
+      </p:sp>
+      <p:sp>
+        <p:nvSpPr>
+          <p:cNvPr id="101" name="Rectangle 100"/>
+          <p:cNvSpPr/>
+          <p:nvPr/>
+        </p:nvSpPr>
+        <p:spPr>
+          <a:xfrm>
+            <a:off x="2796889" y="2119861"/>
+            <a:ext cx="689804" cy="369332"/>
+          </a:xfrm>
+          <a:prstGeom prst="rect">
+            <a:avLst/>
+          </a:prstGeom>
+        </p:spPr>
+        <p:txBody>
+          <a:bodyPr wrap="none">
+            <a:spAutoFit/>
+          </a:bodyPr>
+          <a:lstStyle/>
+          <a:p>
+            <a:r>
+              <a:rPr lang="en-GB" dirty="0" smtClean="0"/>
+              <a:t>enter</a:t>
+            </a:r>
+            <a:endParaRPr lang="en-GB" dirty="0"/>
+          </a:p>
+        </p:txBody>
+      </p:sp>
+      <p:sp>
+        <p:nvSpPr>
+          <p:cNvPr id="102" name="Rectangle 101"/>
+          <p:cNvSpPr/>
+          <p:nvPr/>
+        </p:nvSpPr>
+        <p:spPr>
+          <a:xfrm>
+            <a:off x="8447914" y="2117137"/>
+            <a:ext cx="525850" cy="369332"/>
+          </a:xfrm>
+          <a:prstGeom prst="rect">
+            <a:avLst/>
+          </a:prstGeom>
+        </p:spPr>
+        <p:txBody>
+          <a:bodyPr wrap="none">
+            <a:spAutoFit/>
+          </a:bodyPr>
+          <a:lstStyle/>
+          <a:p>
+            <a:r>
+              <a:rPr lang="en-GB" dirty="0" smtClean="0"/>
+              <a:t>exit</a:t>
+            </a:r>
+            <a:endParaRPr lang="en-GB" dirty="0"/>
+          </a:p>
+        </p:txBody>
+      </p:sp>
+      <p:sp>
+        <p:nvSpPr>
+          <p:cNvPr id="103" name="Rectangle 102"/>
+          <p:cNvSpPr/>
+          <p:nvPr/>
+        </p:nvSpPr>
+        <p:spPr>
+          <a:xfrm>
+            <a:off x="9890252" y="2121725"/>
+            <a:ext cx="525850" cy="369332"/>
+          </a:xfrm>
+          <a:prstGeom prst="rect">
+            <a:avLst/>
+          </a:prstGeom>
+        </p:spPr>
+        <p:txBody>
+          <a:bodyPr wrap="none">
+            <a:spAutoFit/>
+          </a:bodyPr>
+          <a:lstStyle/>
+          <a:p>
+            <a:r>
+              <a:rPr lang="en-GB" dirty="0" smtClean="0"/>
+              <a:t>exit</a:t>
+            </a:r>
+            <a:endParaRPr lang="en-GB" dirty="0"/>
+          </a:p>
+        </p:txBody>
+      </p:sp>
+      <p:sp>
+        <p:nvSpPr>
+          <p:cNvPr id="104" name="Rectangle 103"/>
+          <p:cNvSpPr/>
+          <p:nvPr/>
+        </p:nvSpPr>
+        <p:spPr>
+          <a:xfrm>
+            <a:off x="6360963" y="2123416"/>
+            <a:ext cx="525850" cy="369332"/>
+          </a:xfrm>
+          <a:prstGeom prst="rect">
+            <a:avLst/>
+          </a:prstGeom>
+        </p:spPr>
+        <p:txBody>
+          <a:bodyPr wrap="none">
+            <a:spAutoFit/>
+          </a:bodyPr>
+          <a:lstStyle/>
+          <a:p>
+            <a:r>
+              <a:rPr lang="en-GB" dirty="0" smtClean="0"/>
+              <a:t>exit</a:t>
+            </a:r>
+            <a:endParaRPr lang="en-GB" dirty="0"/>
+          </a:p>
+        </p:txBody>
+      </p:sp>
+      <p:sp>
+        <p:nvSpPr>
+          <p:cNvPr id="108" name="Rectangle 107"/>
+          <p:cNvSpPr/>
+          <p:nvPr/>
+        </p:nvSpPr>
+        <p:spPr>
+          <a:xfrm>
+            <a:off x="6434017" y="2623261"/>
+            <a:ext cx="665567" cy="369332"/>
+          </a:xfrm>
+          <a:prstGeom prst="rect">
+            <a:avLst/>
+          </a:prstGeom>
+        </p:spPr>
+        <p:txBody>
+          <a:bodyPr wrap="none">
+            <a:spAutoFit/>
+          </a:bodyPr>
+          <a:lstStyle/>
+          <a:p>
+            <a:r>
+              <a:rPr lang="en-GB" dirty="0" smtClean="0"/>
+              <a:t>open</a:t>
+            </a:r>
+            <a:endParaRPr lang="en-GB" dirty="0"/>
+          </a:p>
+        </p:txBody>
+      </p:sp>
+      <p:sp>
+        <p:nvSpPr>
+          <p:cNvPr id="109" name="Rectangle 108"/>
+          <p:cNvSpPr/>
+          <p:nvPr/>
+        </p:nvSpPr>
+        <p:spPr>
+          <a:xfrm>
+            <a:off x="6483589" y="4059268"/>
+            <a:ext cx="665567" cy="369332"/>
+          </a:xfrm>
+          <a:prstGeom prst="rect">
+            <a:avLst/>
+          </a:prstGeom>
+        </p:spPr>
+        <p:txBody>
+          <a:bodyPr wrap="none">
+            <a:spAutoFit/>
+          </a:bodyPr>
+          <a:lstStyle/>
+          <a:p>
+            <a:r>
+              <a:rPr lang="en-GB" dirty="0" smtClean="0"/>
+              <a:t>open</a:t>
+            </a:r>
+            <a:endParaRPr lang="en-GB" dirty="0"/>
+          </a:p>
+        </p:txBody>
+      </p:sp>
+      <p:sp>
+        <p:nvSpPr>
+          <p:cNvPr id="110" name="Rectangle 109"/>
+          <p:cNvSpPr/>
+          <p:nvPr/>
+        </p:nvSpPr>
+        <p:spPr>
+          <a:xfrm>
+            <a:off x="6463301" y="4995079"/>
+            <a:ext cx="665567" cy="369332"/>
+          </a:xfrm>
+          <a:prstGeom prst="rect">
+            <a:avLst/>
+          </a:prstGeom>
+        </p:spPr>
+        <p:txBody>
+          <a:bodyPr wrap="none">
+            <a:spAutoFit/>
+          </a:bodyPr>
+          <a:lstStyle/>
+          <a:p>
+            <a:r>
+              <a:rPr lang="en-GB" dirty="0" smtClean="0"/>
+              <a:t>open</a:t>
+            </a:r>
+            <a:endParaRPr lang="en-GB" dirty="0"/>
+          </a:p>
+        </p:txBody>
+      </p:sp>
+      <p:sp>
+        <p:nvSpPr>
+          <p:cNvPr id="111" name="Rectangle 110"/>
+          <p:cNvSpPr/>
+          <p:nvPr/>
+        </p:nvSpPr>
+        <p:spPr>
+          <a:xfrm>
+            <a:off x="5647648" y="2575632"/>
+            <a:ext cx="786369" cy="369332"/>
+          </a:xfrm>
+          <a:prstGeom prst="rect">
+            <a:avLst/>
+          </a:prstGeom>
+        </p:spPr>
+        <p:txBody>
+          <a:bodyPr wrap="none">
+            <a:spAutoFit/>
+          </a:bodyPr>
+          <a:lstStyle/>
+          <a:p>
+            <a:r>
+              <a:rPr lang="en-GB" dirty="0" smtClean="0"/>
+              <a:t>empty</a:t>
+            </a:r>
+            <a:endParaRPr lang="en-GB" dirty="0"/>
+          </a:p>
+        </p:txBody>
+      </p:sp>
+      <p:sp>
+        <p:nvSpPr>
+          <p:cNvPr id="112" name="Rectangle 111"/>
+          <p:cNvSpPr/>
+          <p:nvPr/>
+        </p:nvSpPr>
+        <p:spPr>
+          <a:xfrm>
+            <a:off x="5639246" y="4060081"/>
+            <a:ext cx="786369" cy="369332"/>
+          </a:xfrm>
+          <a:prstGeom prst="rect">
+            <a:avLst/>
+          </a:prstGeom>
+        </p:spPr>
+        <p:txBody>
+          <a:bodyPr wrap="none">
+            <a:spAutoFit/>
+          </a:bodyPr>
+          <a:lstStyle/>
+          <a:p>
+            <a:r>
+              <a:rPr lang="en-GB" dirty="0" smtClean="0"/>
+              <a:t>empty</a:t>
+            </a:r>
+            <a:endParaRPr lang="en-GB" dirty="0"/>
+          </a:p>
+        </p:txBody>
+      </p:sp>
+      <p:sp>
+        <p:nvSpPr>
+          <p:cNvPr id="113" name="Rectangle 112"/>
+          <p:cNvSpPr/>
+          <p:nvPr/>
+        </p:nvSpPr>
+        <p:spPr>
+          <a:xfrm>
+            <a:off x="4866549" y="4076219"/>
+            <a:ext cx="662361" cy="369332"/>
+          </a:xfrm>
+          <a:prstGeom prst="rect">
+            <a:avLst/>
+          </a:prstGeom>
+        </p:spPr>
+        <p:txBody>
+          <a:bodyPr wrap="none">
+            <a:spAutoFit/>
+          </a:bodyPr>
+          <a:lstStyle/>
+          <a:p>
+            <a:r>
+              <a:rPr lang="en-GB" dirty="0" smtClean="0"/>
+              <a:t>close</a:t>
+            </a:r>
+            <a:endParaRPr lang="en-GB" dirty="0"/>
+          </a:p>
+        </p:txBody>
+      </p:sp>
+      <p:sp>
+        <p:nvSpPr>
+          <p:cNvPr id="114" name="Rectangle 113"/>
+          <p:cNvSpPr/>
+          <p:nvPr/>
+        </p:nvSpPr>
+        <p:spPr>
+          <a:xfrm>
+            <a:off x="4917210" y="2607433"/>
+            <a:ext cx="662361" cy="369332"/>
+          </a:xfrm>
+          <a:prstGeom prst="rect">
+            <a:avLst/>
+          </a:prstGeom>
+        </p:spPr>
+        <p:txBody>
+          <a:bodyPr wrap="none">
+            <a:spAutoFit/>
+          </a:bodyPr>
+          <a:lstStyle/>
+          <a:p>
+            <a:r>
+              <a:rPr lang="en-GB" dirty="0" smtClean="0"/>
+              <a:t>close</a:t>
+            </a:r>
+            <a:endParaRPr lang="en-GB" dirty="0"/>
+          </a:p>
+        </p:txBody>
+      </p:sp>
+      <p:sp>
+        <p:nvSpPr>
+          <p:cNvPr id="115" name="Rectangle 114"/>
+          <p:cNvSpPr/>
+          <p:nvPr/>
+        </p:nvSpPr>
+        <p:spPr>
+          <a:xfrm>
+            <a:off x="4917209" y="4956708"/>
+            <a:ext cx="662361" cy="369332"/>
+          </a:xfrm>
+          <a:prstGeom prst="rect">
+            <a:avLst/>
+          </a:prstGeom>
+        </p:spPr>
+        <p:txBody>
+          <a:bodyPr wrap="none">
+            <a:spAutoFit/>
+          </a:bodyPr>
+          <a:lstStyle/>
+          <a:p>
+            <a:r>
+              <a:rPr lang="en-GB" dirty="0" smtClean="0"/>
+              <a:t>close</a:t>
+            </a:r>
+            <a:endParaRPr lang="en-GB" dirty="0"/>
+          </a:p>
+        </p:txBody>
+      </p:sp>
+      <p:sp>
+        <p:nvSpPr>
+          <p:cNvPr id="116" name="Rectangle 115"/>
+          <p:cNvSpPr/>
+          <p:nvPr/>
+        </p:nvSpPr>
+        <p:spPr>
+          <a:xfrm>
+            <a:off x="4930055" y="2100672"/>
+            <a:ext cx="689804" cy="369332"/>
+          </a:xfrm>
+          <a:prstGeom prst="rect">
+            <a:avLst/>
+          </a:prstGeom>
+        </p:spPr>
+        <p:txBody>
+          <a:bodyPr wrap="none">
+            <a:spAutoFit/>
+          </a:bodyPr>
+          <a:lstStyle/>
+          <a:p>
+            <a:r>
+              <a:rPr lang="en-GB" dirty="0" smtClean="0"/>
+              <a:t>enter</a:t>
+            </a:r>
+            <a:endParaRPr lang="en-GB" dirty="0"/>
+          </a:p>
+        </p:txBody>
+      </p:sp>
     </p:spTree>
     <p:extLst>
       <p:ext uri="{BB962C8B-B14F-4D97-AF65-F5344CB8AC3E}">
